--- a/diplom.pptx
+++ b/diplom.pptx
@@ -7,11 +7,13 @@
   <p:sldIdLst>
     <p:sldId id="256" r:id="rId2"/>
     <p:sldId id="260" r:id="rId3"/>
-    <p:sldId id="261" r:id="rId4"/>
-    <p:sldId id="257" r:id="rId5"/>
-    <p:sldId id="258" r:id="rId6"/>
-    <p:sldId id="262" r:id="rId7"/>
-    <p:sldId id="263" r:id="rId8"/>
+    <p:sldId id="264" r:id="rId4"/>
+    <p:sldId id="261" r:id="rId5"/>
+    <p:sldId id="257" r:id="rId6"/>
+    <p:sldId id="258" r:id="rId7"/>
+    <p:sldId id="265" r:id="rId8"/>
+    <p:sldId id="262" r:id="rId9"/>
+    <p:sldId id="263" r:id="rId10"/>
   </p:sldIdLst>
   <p:sldSz cx="12192000" cy="6858000"/>
   <p:notesSz cx="6858000" cy="9144000"/>
@@ -110,6 +112,11 @@
       </a:defRPr>
     </a:lvl9pPr>
   </p:defaultTextStyle>
+  <p:extLst>
+    <p:ext uri="{EFAFB233-063F-42B5-8137-9DF3F51BA10A}">
+      <p15:sldGuideLst xmlns:p15="http://schemas.microsoft.com/office/powerpoint/2012/main"/>
+    </p:ext>
+  </p:extLst>
 </p:presentation>
 </file>
 
@@ -244,7 +251,7 @@
           <a:p>
             <a:fld id="{522CA2AF-FF17-44AF-A919-926913ED6330}" type="datetimeFigureOut">
               <a:rPr lang="ru-RU" smtClean="0"/>
-              <a:t>14.02.2023</a:t>
+              <a:t>22.02.2023</a:t>
             </a:fld>
             <a:endParaRPr lang="ru-RU"/>
           </a:p>
@@ -414,7 +421,7 @@
           <a:p>
             <a:fld id="{522CA2AF-FF17-44AF-A919-926913ED6330}" type="datetimeFigureOut">
               <a:rPr lang="ru-RU" smtClean="0"/>
-              <a:t>14.02.2023</a:t>
+              <a:t>22.02.2023</a:t>
             </a:fld>
             <a:endParaRPr lang="ru-RU"/>
           </a:p>
@@ -594,7 +601,7 @@
           <a:p>
             <a:fld id="{522CA2AF-FF17-44AF-A919-926913ED6330}" type="datetimeFigureOut">
               <a:rPr lang="ru-RU" smtClean="0"/>
-              <a:t>14.02.2023</a:t>
+              <a:t>22.02.2023</a:t>
             </a:fld>
             <a:endParaRPr lang="ru-RU"/>
           </a:p>
@@ -764,7 +771,7 @@
           <a:p>
             <a:fld id="{522CA2AF-FF17-44AF-A919-926913ED6330}" type="datetimeFigureOut">
               <a:rPr lang="ru-RU" smtClean="0"/>
-              <a:t>14.02.2023</a:t>
+              <a:t>22.02.2023</a:t>
             </a:fld>
             <a:endParaRPr lang="ru-RU"/>
           </a:p>
@@ -1010,7 +1017,7 @@
           <a:p>
             <a:fld id="{522CA2AF-FF17-44AF-A919-926913ED6330}" type="datetimeFigureOut">
               <a:rPr lang="ru-RU" smtClean="0"/>
-              <a:t>14.02.2023</a:t>
+              <a:t>22.02.2023</a:t>
             </a:fld>
             <a:endParaRPr lang="ru-RU"/>
           </a:p>
@@ -1242,7 +1249,7 @@
           <a:p>
             <a:fld id="{522CA2AF-FF17-44AF-A919-926913ED6330}" type="datetimeFigureOut">
               <a:rPr lang="ru-RU" smtClean="0"/>
-              <a:t>14.02.2023</a:t>
+              <a:t>22.02.2023</a:t>
             </a:fld>
             <a:endParaRPr lang="ru-RU"/>
           </a:p>
@@ -1609,7 +1616,7 @@
           <a:p>
             <a:fld id="{522CA2AF-FF17-44AF-A919-926913ED6330}" type="datetimeFigureOut">
               <a:rPr lang="ru-RU" smtClean="0"/>
-              <a:t>14.02.2023</a:t>
+              <a:t>22.02.2023</a:t>
             </a:fld>
             <a:endParaRPr lang="ru-RU"/>
           </a:p>
@@ -1727,7 +1734,7 @@
           <a:p>
             <a:fld id="{522CA2AF-FF17-44AF-A919-926913ED6330}" type="datetimeFigureOut">
               <a:rPr lang="ru-RU" smtClean="0"/>
-              <a:t>14.02.2023</a:t>
+              <a:t>22.02.2023</a:t>
             </a:fld>
             <a:endParaRPr lang="ru-RU"/>
           </a:p>
@@ -1822,7 +1829,7 @@
           <a:p>
             <a:fld id="{522CA2AF-FF17-44AF-A919-926913ED6330}" type="datetimeFigureOut">
               <a:rPr lang="ru-RU" smtClean="0"/>
-              <a:t>14.02.2023</a:t>
+              <a:t>22.02.2023</a:t>
             </a:fld>
             <a:endParaRPr lang="ru-RU"/>
           </a:p>
@@ -2099,7 +2106,7 @@
           <a:p>
             <a:fld id="{522CA2AF-FF17-44AF-A919-926913ED6330}" type="datetimeFigureOut">
               <a:rPr lang="ru-RU" smtClean="0"/>
-              <a:t>14.02.2023</a:t>
+              <a:t>22.02.2023</a:t>
             </a:fld>
             <a:endParaRPr lang="ru-RU"/>
           </a:p>
@@ -2352,7 +2359,7 @@
           <a:p>
             <a:fld id="{522CA2AF-FF17-44AF-A919-926913ED6330}" type="datetimeFigureOut">
               <a:rPr lang="ru-RU" smtClean="0"/>
-              <a:t>14.02.2023</a:t>
+              <a:t>22.02.2023</a:t>
             </a:fld>
             <a:endParaRPr lang="ru-RU"/>
           </a:p>
@@ -2565,7 +2572,7 @@
           <a:p>
             <a:fld id="{522CA2AF-FF17-44AF-A919-926913ED6330}" type="datetimeFigureOut">
               <a:rPr lang="ru-RU" smtClean="0"/>
-              <a:t>14.02.2023</a:t>
+              <a:t>22.02.2023</a:t>
             </a:fld>
             <a:endParaRPr lang="ru-RU"/>
           </a:p>
@@ -3013,11 +3020,7 @@
           <a:p>
             <a:r>
               <a:rPr lang="ru-RU" dirty="0" smtClean="0"/>
-              <a:t>Максим </a:t>
-            </a:r>
-            <a:r>
-              <a:rPr lang="ru-RU" dirty="0" smtClean="0"/>
-              <a:t>Милованов</a:t>
+              <a:t>Максим Милованов</a:t>
             </a:r>
             <a:endParaRPr lang="ru-RU" dirty="0"/>
           </a:p>
@@ -3208,6 +3211,166 @@
 </file>
 
 <file path=ppt/slides/slide3.xml><?xml version="1.0" encoding="utf-8"?>
+<p:sld xmlns:a="http://schemas.openxmlformats.org/drawingml/2006/main" xmlns:r="http://schemas.openxmlformats.org/officeDocument/2006/relationships" xmlns:p="http://schemas.openxmlformats.org/presentationml/2006/main">
+  <p:cSld>
+    <p:spTree>
+      <p:nvGrpSpPr>
+        <p:cNvPr id="1" name=""/>
+        <p:cNvGrpSpPr/>
+        <p:nvPr/>
+      </p:nvGrpSpPr>
+      <p:grpSpPr>
+        <a:xfrm>
+          <a:off x="0" y="0"/>
+          <a:ext cx="0" cy="0"/>
+          <a:chOff x="0" y="0"/>
+          <a:chExt cx="0" cy="0"/>
+        </a:xfrm>
+      </p:grpSpPr>
+      <p:sp>
+        <p:nvSpPr>
+          <p:cNvPr id="2" name="Заголовок 1"/>
+          <p:cNvSpPr>
+            <a:spLocks noGrp="1"/>
+          </p:cNvSpPr>
+          <p:nvPr>
+            <p:ph type="title"/>
+          </p:nvPr>
+        </p:nvSpPr>
+        <p:spPr>
+          <a:xfrm>
+            <a:off x="158931" y="144553"/>
+            <a:ext cx="10515600" cy="557984"/>
+          </a:xfrm>
+        </p:spPr>
+        <p:txBody>
+          <a:bodyPr>
+            <a:noAutofit/>
+          </a:bodyPr>
+          <a:lstStyle/>
+          <a:p>
+            <a:r>
+              <a:rPr lang="ru-RU" sz="3600" dirty="0" smtClean="0"/>
+              <a:t>Нефункциональные требования</a:t>
+            </a:r>
+            <a:endParaRPr lang="ru-RU" sz="3600" dirty="0"/>
+          </a:p>
+        </p:txBody>
+      </p:sp>
+      <p:sp>
+        <p:nvSpPr>
+          <p:cNvPr id="5" name="Прямоугольник 4"/>
+          <p:cNvSpPr/>
+          <p:nvPr/>
+        </p:nvSpPr>
+        <p:spPr>
+          <a:xfrm>
+            <a:off x="158931" y="1198658"/>
+            <a:ext cx="10515600" cy="3416320"/>
+          </a:xfrm>
+          <a:prstGeom prst="rect">
+            <a:avLst/>
+          </a:prstGeom>
+        </p:spPr>
+        <p:txBody>
+          <a:bodyPr wrap="square">
+            <a:spAutoFit/>
+          </a:bodyPr>
+          <a:lstStyle/>
+          <a:p>
+            <a:pPr marL="342900" indent="-342900">
+              <a:lnSpc>
+                <a:spcPct val="150000"/>
+              </a:lnSpc>
+              <a:buFontTx/>
+              <a:buChar char="-"/>
+            </a:pPr>
+            <a:r>
+              <a:rPr lang="ru-RU" sz="2400" dirty="0" smtClean="0"/>
+              <a:t>Отказоустойчивость: 1</a:t>
+            </a:r>
+            <a:r>
+              <a:rPr lang="en-US" sz="2400" dirty="0" smtClean="0"/>
+              <a:t>00,000</a:t>
+            </a:r>
+            <a:r>
+              <a:rPr lang="ru-RU" sz="2400" dirty="0" smtClean="0"/>
+              <a:t> сообщений в минуту</a:t>
+            </a:r>
+          </a:p>
+          <a:p>
+            <a:pPr marL="342900" indent="-342900">
+              <a:lnSpc>
+                <a:spcPct val="150000"/>
+              </a:lnSpc>
+              <a:buFontTx/>
+              <a:buChar char="-"/>
+            </a:pPr>
+            <a:r>
+              <a:rPr lang="ru-RU" sz="2400" dirty="0" smtClean="0"/>
+              <a:t>Доступность: 99%</a:t>
+            </a:r>
+          </a:p>
+          <a:p>
+            <a:pPr marL="342900" indent="-342900">
+              <a:lnSpc>
+                <a:spcPct val="150000"/>
+              </a:lnSpc>
+              <a:buFontTx/>
+              <a:buChar char="-"/>
+            </a:pPr>
+            <a:r>
+              <a:rPr lang="ru-RU" sz="2400" dirty="0" smtClean="0"/>
+              <a:t>Масштабирование: использование систем контейнеризации</a:t>
+            </a:r>
+          </a:p>
+          <a:p>
+            <a:pPr marL="342900" indent="-342900">
+              <a:lnSpc>
+                <a:spcPct val="150000"/>
+              </a:lnSpc>
+              <a:buFontTx/>
+              <a:buChar char="-"/>
+            </a:pPr>
+            <a:r>
+              <a:rPr lang="ru-RU" sz="2400" dirty="0"/>
+              <a:t>Внешние </a:t>
+            </a:r>
+            <a:r>
+              <a:rPr lang="ru-RU" sz="2400" dirty="0" smtClean="0"/>
+              <a:t>интерфейсы: интеграция с устройствами и их доступность 90%</a:t>
+            </a:r>
+          </a:p>
+          <a:p>
+            <a:pPr marL="342900" indent="-342900">
+              <a:lnSpc>
+                <a:spcPct val="150000"/>
+              </a:lnSpc>
+              <a:buFontTx/>
+              <a:buChar char="-"/>
+            </a:pPr>
+            <a:r>
+              <a:rPr lang="ru-RU" sz="2400" dirty="0" smtClean="0"/>
+              <a:t>Безопасность: использование симметричного шифрования для хранения данных клиентов</a:t>
+            </a:r>
+            <a:endParaRPr lang="ru-RU" sz="2400" dirty="0"/>
+          </a:p>
+        </p:txBody>
+      </p:sp>
+    </p:spTree>
+    <p:extLst>
+      <p:ext uri="{BB962C8B-B14F-4D97-AF65-F5344CB8AC3E}">
+        <p14:creationId xmlns:p14="http://schemas.microsoft.com/office/powerpoint/2010/main" val="3864730573"/>
+      </p:ext>
+    </p:extLst>
+  </p:cSld>
+  <p:clrMapOvr>
+    <a:masterClrMapping/>
+  </p:clrMapOvr>
+</p:sld>
+</file>
+
+<file path=ppt/slides/slide4.xml><?xml version="1.0" encoding="utf-8"?>
 <p:sld xmlns:a="http://schemas.openxmlformats.org/drawingml/2006/main" xmlns:r="http://schemas.openxmlformats.org/officeDocument/2006/relationships" xmlns:p="http://schemas.openxmlformats.org/presentationml/2006/main">
   <p:cSld>
     <p:spTree>
@@ -3297,7 +3460,7 @@
 </p:sld>
 </file>
 
-<file path=ppt/slides/slide4.xml><?xml version="1.0" encoding="utf-8"?>
+<file path=ppt/slides/slide5.xml><?xml version="1.0" encoding="utf-8"?>
 <p:sld xmlns:a="http://schemas.openxmlformats.org/drawingml/2006/main" xmlns:r="http://schemas.openxmlformats.org/officeDocument/2006/relationships" xmlns:p="http://schemas.openxmlformats.org/presentationml/2006/main">
   <p:cSld>
     <p:spTree>
@@ -3388,10 +3551,17 @@
   <p:clrMapOvr>
     <a:masterClrMapping/>
   </p:clrMapOvr>
+  <p:timing>
+    <p:tnLst>
+      <p:par>
+        <p:cTn id="1" dur="indefinite" restart="never" nodeType="tmRoot"/>
+      </p:par>
+    </p:tnLst>
+  </p:timing>
 </p:sld>
 </file>
 
-<file path=ppt/slides/slide5.xml><?xml version="1.0" encoding="utf-8"?>
+<file path=ppt/slides/slide6.xml><?xml version="1.0" encoding="utf-8"?>
 <p:sld xmlns:a="http://schemas.openxmlformats.org/drawingml/2006/main" xmlns:r="http://schemas.openxmlformats.org/officeDocument/2006/relationships" xmlns:p="http://schemas.openxmlformats.org/presentationml/2006/main">
   <p:cSld>
     <p:spTree>
@@ -3482,10 +3652,17 @@
   <p:clrMapOvr>
     <a:masterClrMapping/>
   </p:clrMapOvr>
+  <p:timing>
+    <p:tnLst>
+      <p:par>
+        <p:cTn id="1" dur="indefinite" restart="never" nodeType="tmRoot"/>
+      </p:par>
+    </p:tnLst>
+  </p:timing>
 </p:sld>
 </file>
 
-<file path=ppt/slides/slide6.xml><?xml version="1.0" encoding="utf-8"?>
+<file path=ppt/slides/slide7.xml><?xml version="1.0" encoding="utf-8"?>
 <p:sld xmlns:a="http://schemas.openxmlformats.org/drawingml/2006/main" xmlns:r="http://schemas.openxmlformats.org/officeDocument/2006/relationships" xmlns:p="http://schemas.openxmlformats.org/presentationml/2006/main">
   <p:cSld>
     <p:spTree>
@@ -3525,6 +3702,111 @@
           <a:lstStyle/>
           <a:p>
             <a:r>
+              <a:rPr lang="en-US" sz="3600" dirty="0" smtClean="0"/>
+              <a:t>Infrastructure</a:t>
+            </a:r>
+            <a:r>
+              <a:rPr lang="ru-RU" sz="3600" dirty="0" smtClean="0"/>
+              <a:t> </a:t>
+            </a:r>
+            <a:r>
+              <a:rPr lang="en-US" sz="3600" dirty="0" smtClean="0"/>
+              <a:t>view</a:t>
+            </a:r>
+            <a:endParaRPr lang="ru-RU" sz="3600" dirty="0"/>
+          </a:p>
+        </p:txBody>
+      </p:sp>
+      <p:pic>
+        <p:nvPicPr>
+          <p:cNvPr id="4" name="Рисунок 3"/>
+          <p:cNvPicPr>
+            <a:picLocks noChangeAspect="1"/>
+          </p:cNvPicPr>
+          <p:nvPr/>
+        </p:nvPicPr>
+        <p:blipFill>
+          <a:blip r:embed="rId2">
+            <a:extLst>
+              <a:ext uri="{28A0092B-C50C-407E-A947-70E740481C1C}">
+                <a14:useLocalDpi xmlns:a14="http://schemas.microsoft.com/office/drawing/2010/main" val="0"/>
+              </a:ext>
+            </a:extLst>
+          </a:blip>
+          <a:stretch>
+            <a:fillRect/>
+          </a:stretch>
+        </p:blipFill>
+        <p:spPr>
+          <a:xfrm>
+            <a:off x="1924595" y="1285194"/>
+            <a:ext cx="8196262" cy="4749739"/>
+          </a:xfrm>
+          <a:prstGeom prst="rect">
+            <a:avLst/>
+          </a:prstGeom>
+        </p:spPr>
+      </p:pic>
+    </p:spTree>
+    <p:extLst>
+      <p:ext uri="{BB962C8B-B14F-4D97-AF65-F5344CB8AC3E}">
+        <p14:creationId xmlns:p14="http://schemas.microsoft.com/office/powerpoint/2010/main" val="2102158532"/>
+      </p:ext>
+    </p:extLst>
+  </p:cSld>
+  <p:clrMapOvr>
+    <a:masterClrMapping/>
+  </p:clrMapOvr>
+  <p:timing>
+    <p:tnLst>
+      <p:par>
+        <p:cTn id="1" dur="indefinite" restart="never" nodeType="tmRoot"/>
+      </p:par>
+    </p:tnLst>
+  </p:timing>
+</p:sld>
+</file>
+
+<file path=ppt/slides/slide8.xml><?xml version="1.0" encoding="utf-8"?>
+<p:sld xmlns:a="http://schemas.openxmlformats.org/drawingml/2006/main" xmlns:r="http://schemas.openxmlformats.org/officeDocument/2006/relationships" xmlns:p="http://schemas.openxmlformats.org/presentationml/2006/main">
+  <p:cSld>
+    <p:spTree>
+      <p:nvGrpSpPr>
+        <p:cNvPr id="1" name=""/>
+        <p:cNvGrpSpPr/>
+        <p:nvPr/>
+      </p:nvGrpSpPr>
+      <p:grpSpPr>
+        <a:xfrm>
+          <a:off x="0" y="0"/>
+          <a:ext cx="0" cy="0"/>
+          <a:chOff x="0" y="0"/>
+          <a:chExt cx="0" cy="0"/>
+        </a:xfrm>
+      </p:grpSpPr>
+      <p:sp>
+        <p:nvSpPr>
+          <p:cNvPr id="2" name="Заголовок 1"/>
+          <p:cNvSpPr>
+            <a:spLocks noGrp="1"/>
+          </p:cNvSpPr>
+          <p:nvPr>
+            <p:ph type="title"/>
+          </p:nvPr>
+        </p:nvSpPr>
+        <p:spPr>
+          <a:xfrm>
+            <a:off x="158931" y="144553"/>
+            <a:ext cx="10515600" cy="557984"/>
+          </a:xfrm>
+        </p:spPr>
+        <p:txBody>
+          <a:bodyPr>
+            <a:noAutofit/>
+          </a:bodyPr>
+          <a:lstStyle/>
+          <a:p>
+            <a:r>
               <a:rPr lang="ru-RU" sz="3600" dirty="0" smtClean="0"/>
               <a:t>Риски</a:t>
             </a:r>
@@ -3677,10 +3959,17 @@
   <p:clrMapOvr>
     <a:masterClrMapping/>
   </p:clrMapOvr>
+  <p:timing>
+    <p:tnLst>
+      <p:par>
+        <p:cTn id="1" dur="indefinite" restart="never" nodeType="tmRoot"/>
+      </p:par>
+    </p:tnLst>
+  </p:timing>
 </p:sld>
 </file>
 
-<file path=ppt/slides/slide7.xml><?xml version="1.0" encoding="utf-8"?>
+<file path=ppt/slides/slide9.xml><?xml version="1.0" encoding="utf-8"?>
 <p:sld xmlns:a="http://schemas.openxmlformats.org/drawingml/2006/main" xmlns:r="http://schemas.openxmlformats.org/officeDocument/2006/relationships" xmlns:p="http://schemas.openxmlformats.org/presentationml/2006/main">
   <p:cSld>
     <p:spTree>
